--- a/面試簡報.pptx
+++ b/面試簡報.pptx
@@ -5,7 +5,7 @@
     <p:sldMasterId id="2147483648" r:id="rId1"/>
   </p:sldMasterIdLst>
   <p:notesMasterIdLst>
-    <p:notesMasterId r:id="rId10"/>
+    <p:notesMasterId r:id="rId11"/>
   </p:notesMasterIdLst>
   <p:sldIdLst>
     <p:sldId id="301" r:id="rId2"/>
@@ -16,6 +16,7 @@
     <p:sldId id="293" r:id="rId7"/>
     <p:sldId id="295" r:id="rId8"/>
     <p:sldId id="294" r:id="rId9"/>
+    <p:sldId id="303" r:id="rId10"/>
   </p:sldIdLst>
   <p:sldSz cx="12192000" cy="6858000"/>
   <p:notesSz cx="6858000" cy="9144000"/>
@@ -204,7 +205,7 @@
           <a:p>
             <a:fld id="{687E171F-C645-412C-8DDA-7A8F3E07DB62}" type="datetimeFigureOut">
               <a:rPr lang="zh-TW" altLang="en-US" smtClean="0"/>
-              <a:t>2025/3/30</a:t>
+              <a:t>2025/4/1</a:t>
             </a:fld>
             <a:endParaRPr lang="zh-TW" altLang="en-US"/>
           </a:p>
@@ -913,7 +914,7 @@
           <a:p>
             <a:fld id="{C99E593B-F878-4877-A5E8-AC7DD7512D12}" type="datetimeFigureOut">
               <a:rPr lang="zh-TW" altLang="en-US" smtClean="0"/>
-              <a:t>2025/3/30</a:t>
+              <a:t>2025/4/1</a:t>
             </a:fld>
             <a:endParaRPr lang="zh-TW" altLang="en-US"/>
           </a:p>
@@ -1113,7 +1114,7 @@
           <a:p>
             <a:fld id="{C99E593B-F878-4877-A5E8-AC7DD7512D12}" type="datetimeFigureOut">
               <a:rPr lang="zh-TW" altLang="en-US" smtClean="0"/>
-              <a:t>2025/3/30</a:t>
+              <a:t>2025/4/1</a:t>
             </a:fld>
             <a:endParaRPr lang="zh-TW" altLang="en-US"/>
           </a:p>
@@ -1323,7 +1324,7 @@
           <a:p>
             <a:fld id="{C99E593B-F878-4877-A5E8-AC7DD7512D12}" type="datetimeFigureOut">
               <a:rPr lang="zh-TW" altLang="en-US" smtClean="0"/>
-              <a:t>2025/3/30</a:t>
+              <a:t>2025/4/1</a:t>
             </a:fld>
             <a:endParaRPr lang="zh-TW" altLang="en-US"/>
           </a:p>
@@ -2827,7 +2828,7 @@
           <a:p>
             <a:fld id="{C99E593B-F878-4877-A5E8-AC7DD7512D12}" type="datetimeFigureOut">
               <a:rPr lang="zh-TW" altLang="en-US" smtClean="0"/>
-              <a:t>2025/3/30</a:t>
+              <a:t>2025/4/1</a:t>
             </a:fld>
             <a:endParaRPr lang="zh-TW" altLang="en-US"/>
           </a:p>
@@ -3103,7 +3104,7 @@
           <a:p>
             <a:fld id="{C99E593B-F878-4877-A5E8-AC7DD7512D12}" type="datetimeFigureOut">
               <a:rPr lang="zh-TW" altLang="en-US" smtClean="0"/>
-              <a:t>2025/3/30</a:t>
+              <a:t>2025/4/1</a:t>
             </a:fld>
             <a:endParaRPr lang="zh-TW" altLang="en-US"/>
           </a:p>
@@ -3371,7 +3372,7 @@
           <a:p>
             <a:fld id="{C99E593B-F878-4877-A5E8-AC7DD7512D12}" type="datetimeFigureOut">
               <a:rPr lang="zh-TW" altLang="en-US" smtClean="0"/>
-              <a:t>2025/3/30</a:t>
+              <a:t>2025/4/1</a:t>
             </a:fld>
             <a:endParaRPr lang="zh-TW" altLang="en-US"/>
           </a:p>
@@ -3786,7 +3787,7 @@
           <a:p>
             <a:fld id="{C99E593B-F878-4877-A5E8-AC7DD7512D12}" type="datetimeFigureOut">
               <a:rPr lang="zh-TW" altLang="en-US" smtClean="0"/>
-              <a:t>2025/3/30</a:t>
+              <a:t>2025/4/1</a:t>
             </a:fld>
             <a:endParaRPr lang="zh-TW" altLang="en-US"/>
           </a:p>
@@ -3928,7 +3929,7 @@
           <a:p>
             <a:fld id="{C99E593B-F878-4877-A5E8-AC7DD7512D12}" type="datetimeFigureOut">
               <a:rPr lang="zh-TW" altLang="en-US" smtClean="0"/>
-              <a:t>2025/3/30</a:t>
+              <a:t>2025/4/1</a:t>
             </a:fld>
             <a:endParaRPr lang="zh-TW" altLang="en-US"/>
           </a:p>
@@ -4041,7 +4042,7 @@
           <a:p>
             <a:fld id="{C99E593B-F878-4877-A5E8-AC7DD7512D12}" type="datetimeFigureOut">
               <a:rPr lang="zh-TW" altLang="en-US" smtClean="0"/>
-              <a:t>2025/3/30</a:t>
+              <a:t>2025/4/1</a:t>
             </a:fld>
             <a:endParaRPr lang="zh-TW" altLang="en-US"/>
           </a:p>
@@ -4354,7 +4355,7 @@
           <a:p>
             <a:fld id="{C99E593B-F878-4877-A5E8-AC7DD7512D12}" type="datetimeFigureOut">
               <a:rPr lang="zh-TW" altLang="en-US" smtClean="0"/>
-              <a:t>2025/3/30</a:t>
+              <a:t>2025/4/1</a:t>
             </a:fld>
             <a:endParaRPr lang="zh-TW" altLang="en-US"/>
           </a:p>
@@ -4643,7 +4644,7 @@
           <a:p>
             <a:fld id="{C99E593B-F878-4877-A5E8-AC7DD7512D12}" type="datetimeFigureOut">
               <a:rPr lang="zh-TW" altLang="en-US" smtClean="0"/>
-              <a:t>2025/3/30</a:t>
+              <a:t>2025/4/1</a:t>
             </a:fld>
             <a:endParaRPr lang="zh-TW" altLang="en-US"/>
           </a:p>
@@ -4886,7 +4887,7 @@
           <a:p>
             <a:fld id="{C99E593B-F878-4877-A5E8-AC7DD7512D12}" type="datetimeFigureOut">
               <a:rPr lang="zh-TW" altLang="en-US" smtClean="0"/>
-              <a:t>2025/3/30</a:t>
+              <a:t>2025/4/1</a:t>
             </a:fld>
             <a:endParaRPr lang="zh-TW" altLang="en-US"/>
           </a:p>
@@ -8772,6 +8773,364 @@
     <p:extLst>
       <p:ext uri="{BB962C8B-B14F-4D97-AF65-F5344CB8AC3E}">
         <p14:creationId xmlns:p14="http://schemas.microsoft.com/office/powerpoint/2010/main" val="1044780285"/>
+      </p:ext>
+    </p:extLst>
+  </p:cSld>
+  <p:clrMapOvr>
+    <a:masterClrMapping/>
+  </p:clrMapOvr>
+</p:sld>
+</file>
+
+<file path=ppt/slides/slide9.xml><?xml version="1.0" encoding="utf-8"?>
+<p:sld xmlns:a="http://schemas.openxmlformats.org/drawingml/2006/main" xmlns:r="http://schemas.openxmlformats.org/officeDocument/2006/relationships" xmlns:p="http://schemas.openxmlformats.org/presentationml/2006/main">
+  <p:cSld>
+    <p:spTree>
+      <p:nvGrpSpPr>
+        <p:cNvPr id="1" name="">
+          <a:extLst>
+            <a:ext uri="{FF2B5EF4-FFF2-40B4-BE49-F238E27FC236}">
+              <a16:creationId xmlns:a16="http://schemas.microsoft.com/office/drawing/2014/main" id="{AA9852EF-FC1B-7F69-B3D8-0C96354D7DCF}"/>
+            </a:ext>
+          </a:extLst>
+        </p:cNvPr>
+        <p:cNvGrpSpPr/>
+        <p:nvPr/>
+      </p:nvGrpSpPr>
+      <p:grpSpPr>
+        <a:xfrm>
+          <a:off x="0" y="0"/>
+          <a:ext cx="0" cy="0"/>
+          <a:chOff x="0" y="0"/>
+          <a:chExt cx="0" cy="0"/>
+        </a:xfrm>
+      </p:grpSpPr>
+      <p:sp>
+        <p:nvSpPr>
+          <p:cNvPr id="2" name="Title 1">
+            <a:extLst>
+              <a:ext uri="{FF2B5EF4-FFF2-40B4-BE49-F238E27FC236}">
+                <a16:creationId xmlns:a16="http://schemas.microsoft.com/office/drawing/2014/main" id="{4E46C908-07CD-0ABA-298D-271E2DA5269E}"/>
+              </a:ext>
+            </a:extLst>
+          </p:cNvPr>
+          <p:cNvSpPr>
+            <a:spLocks noGrp="1"/>
+          </p:cNvSpPr>
+          <p:nvPr>
+            <p:ph type="title"/>
+          </p:nvPr>
+        </p:nvSpPr>
+        <p:spPr/>
+        <p:txBody>
+          <a:bodyPr>
+            <a:normAutofit/>
+          </a:bodyPr>
+          <a:lstStyle/>
+          <a:p>
+            <a:r>
+              <a:rPr lang="en-US" altLang="zh-TW" sz="4000" dirty="0">
+                <a:latin typeface="Times New Roman" panose="02020603050405020304" pitchFamily="18" charset="0"/>
+                <a:cs typeface="Times New Roman" panose="02020603050405020304" pitchFamily="18" charset="0"/>
+              </a:rPr>
+              <a:t>Lessons Learned from </a:t>
+            </a:r>
+            <a:br>
+              <a:rPr lang="en-US" altLang="zh-TW" sz="4000" dirty="0">
+                <a:latin typeface="Times New Roman" panose="02020603050405020304" pitchFamily="18" charset="0"/>
+                <a:cs typeface="Times New Roman" panose="02020603050405020304" pitchFamily="18" charset="0"/>
+              </a:rPr>
+            </a:br>
+            <a:r>
+              <a:rPr lang="en-US" altLang="zh-TW" sz="4000" dirty="0">
+                <a:latin typeface="Times New Roman" panose="02020603050405020304" pitchFamily="18" charset="0"/>
+                <a:cs typeface="Times New Roman" panose="02020603050405020304" pitchFamily="18" charset="0"/>
+              </a:rPr>
+              <a:t>VLSI Design for</a:t>
+            </a:r>
+            <a:r>
+              <a:rPr lang="zh-TW" altLang="en-US" sz="4000" dirty="0">
+                <a:latin typeface="Times New Roman" panose="02020603050405020304" pitchFamily="18" charset="0"/>
+                <a:cs typeface="Times New Roman" panose="02020603050405020304" pitchFamily="18" charset="0"/>
+              </a:rPr>
+              <a:t> </a:t>
+            </a:r>
+            <a:r>
+              <a:rPr lang="en-US" altLang="zh-TW" sz="4000" dirty="0">
+                <a:latin typeface="Times New Roman" panose="02020603050405020304" pitchFamily="18" charset="0"/>
+                <a:cs typeface="Times New Roman" panose="02020603050405020304" pitchFamily="18" charset="0"/>
+              </a:rPr>
+              <a:t>Manufacturability</a:t>
+            </a:r>
+            <a:endParaRPr lang="zh-TW" altLang="en-US" sz="4000" dirty="0">
+              <a:latin typeface="Times New Roman" panose="02020603050405020304" pitchFamily="18" charset="0"/>
+              <a:cs typeface="Times New Roman" panose="02020603050405020304" pitchFamily="18" charset="0"/>
+            </a:endParaRPr>
+          </a:p>
+        </p:txBody>
+      </p:sp>
+      <p:sp>
+        <p:nvSpPr>
+          <p:cNvPr id="3" name="Content Placeholder 2">
+            <a:extLst>
+              <a:ext uri="{FF2B5EF4-FFF2-40B4-BE49-F238E27FC236}">
+                <a16:creationId xmlns:a16="http://schemas.microsoft.com/office/drawing/2014/main" id="{00B67BE1-66E6-45A1-9125-E8F9F350529F}"/>
+              </a:ext>
+            </a:extLst>
+          </p:cNvPr>
+          <p:cNvSpPr>
+            <a:spLocks noGrp="1"/>
+          </p:cNvSpPr>
+          <p:nvPr>
+            <p:ph idx="1"/>
+          </p:nvPr>
+        </p:nvSpPr>
+        <p:spPr>
+          <a:xfrm>
+            <a:off x="838200" y="1825624"/>
+            <a:ext cx="10515600" cy="4430321"/>
+          </a:xfrm>
+        </p:spPr>
+        <p:txBody>
+          <a:bodyPr>
+            <a:noAutofit/>
+          </a:bodyPr>
+          <a:lstStyle/>
+          <a:p>
+            <a:pPr marL="0" indent="0" algn="l">
+              <a:buNone/>
+            </a:pPr>
+            <a:endParaRPr lang="en-US" altLang="zh-TW" sz="2000" dirty="0">
+              <a:latin typeface="Times New Roman" panose="02020603050405020304" pitchFamily="18" charset="0"/>
+              <a:cs typeface="Times New Roman" panose="02020603050405020304" pitchFamily="18" charset="0"/>
+            </a:endParaRPr>
+          </a:p>
+          <a:p>
+            <a:pPr algn="l"/>
+            <a:endParaRPr lang="en-US" altLang="zh-TW" sz="2400" dirty="0">
+              <a:latin typeface="Times New Roman" panose="02020603050405020304" pitchFamily="18" charset="0"/>
+              <a:cs typeface="Times New Roman" panose="02020603050405020304" pitchFamily="18" charset="0"/>
+            </a:endParaRPr>
+          </a:p>
+          <a:p>
+            <a:pPr algn="l"/>
+            <a:endParaRPr lang="en-US" altLang="zh-TW" sz="2400" i="0" dirty="0">
+              <a:solidFill>
+                <a:srgbClr val="333333"/>
+              </a:solidFill>
+              <a:effectLst/>
+              <a:latin typeface="Times New Roman" panose="02020603050405020304" pitchFamily="18" charset="0"/>
+              <a:cs typeface="Times New Roman" panose="02020603050405020304" pitchFamily="18" charset="0"/>
+            </a:endParaRPr>
+          </a:p>
+        </p:txBody>
+      </p:sp>
+      <p:sp>
+        <p:nvSpPr>
+          <p:cNvPr id="4" name="投影片編號版面配置區 3">
+            <a:extLst>
+              <a:ext uri="{FF2B5EF4-FFF2-40B4-BE49-F238E27FC236}">
+                <a16:creationId xmlns:a16="http://schemas.microsoft.com/office/drawing/2014/main" id="{4905FFF2-99DD-F9CB-26AB-1319CCAAE7DD}"/>
+              </a:ext>
+            </a:extLst>
+          </p:cNvPr>
+          <p:cNvSpPr>
+            <a:spLocks noGrp="1"/>
+          </p:cNvSpPr>
+          <p:nvPr>
+            <p:ph type="sldNum" sz="quarter" idx="12"/>
+          </p:nvPr>
+        </p:nvSpPr>
+        <p:spPr/>
+        <p:txBody>
+          <a:bodyPr/>
+          <a:lstStyle/>
+          <a:p>
+            <a:fld id="{9CF5A83B-F48D-49CA-94CB-9DE72BA4E651}" type="slidenum">
+              <a:rPr lang="zh-TW" altLang="en-US" smtClean="0">
+                <a:solidFill>
+                  <a:schemeClr val="tx1"/>
+                </a:solidFill>
+              </a:rPr>
+              <a:t>9</a:t>
+            </a:fld>
+            <a:endParaRPr lang="zh-TW" altLang="en-US" dirty="0">
+              <a:solidFill>
+                <a:schemeClr val="tx1"/>
+              </a:solidFill>
+            </a:endParaRPr>
+          </a:p>
+        </p:txBody>
+      </p:sp>
+      <p:sp>
+        <p:nvSpPr>
+          <p:cNvPr id="21" name="TextBox 20">
+            <a:extLst>
+              <a:ext uri="{FF2B5EF4-FFF2-40B4-BE49-F238E27FC236}">
+                <a16:creationId xmlns:a16="http://schemas.microsoft.com/office/drawing/2014/main" id="{A88ECD9C-4BE4-FEAB-F6B0-DBD1895D99F9}"/>
+              </a:ext>
+            </a:extLst>
+          </p:cNvPr>
+          <p:cNvSpPr txBox="1"/>
+          <p:nvPr/>
+        </p:nvSpPr>
+        <p:spPr>
+          <a:xfrm>
+            <a:off x="791661" y="1902443"/>
+            <a:ext cx="11113646" cy="4562788"/>
+          </a:xfrm>
+          <a:prstGeom prst="rect">
+            <a:avLst/>
+          </a:prstGeom>
+          <a:noFill/>
+        </p:spPr>
+        <p:txBody>
+          <a:bodyPr wrap="square" rtlCol="0">
+            <a:spAutoFit/>
+          </a:bodyPr>
+          <a:lstStyle/>
+          <a:p>
+            <a:pPr marL="457200" indent="-457200">
+              <a:lnSpc>
+                <a:spcPct val="150000"/>
+              </a:lnSpc>
+              <a:buFont typeface="Wingdings" panose="05000000000000000000" pitchFamily="2" charset="2"/>
+              <a:buChar char="n"/>
+            </a:pPr>
+            <a:r>
+              <a:rPr lang="en-US" altLang="zh-TW" sz="2500" dirty="0">
+                <a:latin typeface="Times New Roman" panose="02020603050405020304" pitchFamily="18" charset="0"/>
+                <a:cs typeface="Times New Roman" panose="02020603050405020304" pitchFamily="18" charset="0"/>
+              </a:rPr>
+              <a:t>Topics</a:t>
+            </a:r>
+          </a:p>
+          <a:p>
+            <a:pPr marL="914400" lvl="1" indent="-457200">
+              <a:lnSpc>
+                <a:spcPct val="150000"/>
+              </a:lnSpc>
+              <a:buFont typeface="Arial" panose="020B0604020202020204" pitchFamily="34" charset="0"/>
+              <a:buChar char="•"/>
+            </a:pPr>
+            <a:r>
+              <a:rPr lang="en-US" altLang="zh-TW" sz="2500" dirty="0">
+                <a:latin typeface="Times New Roman" panose="02020603050405020304" pitchFamily="18" charset="0"/>
+                <a:cs typeface="Times New Roman" panose="02020603050405020304" pitchFamily="18" charset="0"/>
+              </a:rPr>
+              <a:t>Routing under Nanometer Design Rules</a:t>
+            </a:r>
+          </a:p>
+          <a:p>
+            <a:pPr marL="914400" lvl="1" indent="-457200">
+              <a:lnSpc>
+                <a:spcPct val="150000"/>
+              </a:lnSpc>
+              <a:buFont typeface="Arial" panose="020B0604020202020204" pitchFamily="34" charset="0"/>
+              <a:buChar char="•"/>
+            </a:pPr>
+            <a:r>
+              <a:rPr lang="en-US" altLang="zh-TW" sz="2500" dirty="0">
+                <a:latin typeface="Times New Roman" panose="02020603050405020304" pitchFamily="18" charset="0"/>
+                <a:cs typeface="Times New Roman" panose="02020603050405020304" pitchFamily="18" charset="0"/>
+              </a:rPr>
+              <a:t>Redundant Via Insertion</a:t>
+            </a:r>
+          </a:p>
+          <a:p>
+            <a:pPr marL="914400" lvl="1" indent="-457200">
+              <a:lnSpc>
+                <a:spcPct val="150000"/>
+              </a:lnSpc>
+              <a:buFont typeface="Arial" panose="020B0604020202020204" pitchFamily="34" charset="0"/>
+              <a:buChar char="•"/>
+            </a:pPr>
+            <a:r>
+              <a:rPr lang="en-US" altLang="zh-TW" sz="2500" dirty="0">
+                <a:latin typeface="Times New Roman" panose="02020603050405020304" pitchFamily="18" charset="0"/>
+                <a:cs typeface="Times New Roman" panose="02020603050405020304" pitchFamily="18" charset="0"/>
+              </a:rPr>
+              <a:t>Dummy Fill Insertion</a:t>
+            </a:r>
+          </a:p>
+          <a:p>
+            <a:pPr marL="914400" lvl="1" indent="-457200">
+              <a:lnSpc>
+                <a:spcPct val="150000"/>
+              </a:lnSpc>
+              <a:buFont typeface="Arial" panose="020B0604020202020204" pitchFamily="34" charset="0"/>
+              <a:buChar char="•"/>
+            </a:pPr>
+            <a:r>
+              <a:rPr lang="en-US" altLang="zh-TW" sz="2500" dirty="0">
+                <a:latin typeface="Times New Roman" panose="02020603050405020304" pitchFamily="18" charset="0"/>
+                <a:cs typeface="Times New Roman" panose="02020603050405020304" pitchFamily="18" charset="0"/>
+              </a:rPr>
+              <a:t>Detailed Placement Refinement for Complex</a:t>
+            </a:r>
+            <a:r>
+              <a:rPr lang="zh-TW" altLang="en-US" sz="2500" dirty="0">
+                <a:latin typeface="Times New Roman" panose="02020603050405020304" pitchFamily="18" charset="0"/>
+                <a:cs typeface="Times New Roman" panose="02020603050405020304" pitchFamily="18" charset="0"/>
+              </a:rPr>
+              <a:t> </a:t>
+            </a:r>
+            <a:r>
+              <a:rPr lang="en-US" altLang="zh-TW" sz="2500" dirty="0">
+                <a:latin typeface="Times New Roman" panose="02020603050405020304" pitchFamily="18" charset="0"/>
+                <a:cs typeface="Times New Roman" panose="02020603050405020304" pitchFamily="18" charset="0"/>
+              </a:rPr>
+              <a:t>Manufacturing Constraints</a:t>
+            </a:r>
+          </a:p>
+          <a:p>
+            <a:pPr marL="914400" lvl="1" indent="-457200">
+              <a:lnSpc>
+                <a:spcPct val="150000"/>
+              </a:lnSpc>
+              <a:buFont typeface="Arial" panose="020B0604020202020204" pitchFamily="34" charset="0"/>
+              <a:buChar char="•"/>
+            </a:pPr>
+            <a:r>
+              <a:rPr lang="en-US" altLang="zh-TW" sz="2500" dirty="0">
+                <a:latin typeface="Times New Roman" panose="02020603050405020304" pitchFamily="18" charset="0"/>
+                <a:cs typeface="Times New Roman" panose="02020603050405020304" pitchFamily="18" charset="0"/>
+              </a:rPr>
+              <a:t>Lithography Hotspot Detection</a:t>
+            </a:r>
+          </a:p>
+          <a:p>
+            <a:pPr marL="914400" lvl="1" indent="-457200">
+              <a:lnSpc>
+                <a:spcPct val="150000"/>
+              </a:lnSpc>
+              <a:buFont typeface="Arial" panose="020B0604020202020204" pitchFamily="34" charset="0"/>
+              <a:buChar char="•"/>
+            </a:pPr>
+            <a:r>
+              <a:rPr lang="en-US" altLang="zh-TW" sz="2500" dirty="0">
+                <a:latin typeface="Times New Roman" panose="02020603050405020304" pitchFamily="18" charset="0"/>
+                <a:cs typeface="Times New Roman" panose="02020603050405020304" pitchFamily="18" charset="0"/>
+              </a:rPr>
+              <a:t>…</a:t>
+            </a:r>
+          </a:p>
+          <a:p>
+            <a:pPr marL="457200" indent="-457200">
+              <a:buFont typeface="Wingdings" panose="05000000000000000000" pitchFamily="2" charset="2"/>
+              <a:buChar char="n"/>
+            </a:pPr>
+            <a:endParaRPr lang="zh-TW" altLang="en-US" sz="2800" dirty="0">
+              <a:latin typeface="Times New Roman" panose="02020603050405020304" pitchFamily="18" charset="0"/>
+              <a:cs typeface="Times New Roman" panose="02020603050405020304" pitchFamily="18" charset="0"/>
+            </a:endParaRPr>
+          </a:p>
+        </p:txBody>
+      </p:sp>
+    </p:spTree>
+    <p:extLst>
+      <p:ext uri="{BB962C8B-B14F-4D97-AF65-F5344CB8AC3E}">
+        <p14:creationId xmlns:p14="http://schemas.microsoft.com/office/powerpoint/2010/main" val="2000303744"/>
       </p:ext>
     </p:extLst>
   </p:cSld>
